--- a/Poster/20150313_CHEP2015_poster_v03.pptx
+++ b/Poster/20150313_CHEP2015_poster_v03.pptx
@@ -107,6 +107,22 @@
       </a:defRPr>
     </a:lvl9pPr>
   </p:defaultTextStyle>
+  <p:extLst>
+    <p:ext uri="{EFAFB233-063F-42B5-8137-9DF3F51BA10A}">
+      <p15:sldGuideLst xmlns:p15="http://schemas.microsoft.com/office/powerpoint/2012/main">
+        <p15:guide id="1" orient="horz" pos="13381">
+          <p15:clr>
+            <a:srgbClr val="A4A3A4"/>
+          </p15:clr>
+        </p15:guide>
+        <p15:guide id="2" pos="9527">
+          <p15:clr>
+            <a:srgbClr val="A4A3A4"/>
+          </p15:clr>
+        </p15:guide>
+      </p15:sldGuideLst>
+    </p:ext>
+  </p:extLst>
 </p:presentation>
 </file>
 
@@ -192,7 +208,7 @@
           <a:p>
             <a:fld id="{820D5F2B-DDB1-A04F-BCDD-D211D9450AC2}" type="datetimeFigureOut">
               <a:rPr lang="en-US" smtClean="0"/>
-              <a:t>3/15/15</a:t>
+              <a:t>2015-03-26</a:t>
             </a:fld>
             <a:endParaRPr lang="en-US"/>
           </a:p>
@@ -730,7 +746,7 @@
           <a:p>
             <a:fld id="{E9337EB8-DF82-4242-87C5-81E4BE7502BA}" type="datetimeFigureOut">
               <a:rPr lang="en-US" smtClean="0"/>
-              <a:t>3/15/15</a:t>
+              <a:t>2015-03-26</a:t>
             </a:fld>
             <a:endParaRPr lang="en-US"/>
           </a:p>
@@ -900,7 +916,7 @@
           <a:p>
             <a:fld id="{E9337EB8-DF82-4242-87C5-81E4BE7502BA}" type="datetimeFigureOut">
               <a:rPr lang="en-US" smtClean="0"/>
-              <a:t>3/15/15</a:t>
+              <a:t>2015-03-26</a:t>
             </a:fld>
             <a:endParaRPr lang="en-US"/>
           </a:p>
@@ -1080,7 +1096,7 @@
           <a:p>
             <a:fld id="{E9337EB8-DF82-4242-87C5-81E4BE7502BA}" type="datetimeFigureOut">
               <a:rPr lang="en-US" smtClean="0"/>
-              <a:t>3/15/15</a:t>
+              <a:t>2015-03-26</a:t>
             </a:fld>
             <a:endParaRPr lang="en-US"/>
           </a:p>
@@ -1250,7 +1266,7 @@
           <a:p>
             <a:fld id="{E9337EB8-DF82-4242-87C5-81E4BE7502BA}" type="datetimeFigureOut">
               <a:rPr lang="en-US" smtClean="0"/>
-              <a:t>3/15/15</a:t>
+              <a:t>2015-03-26</a:t>
             </a:fld>
             <a:endParaRPr lang="en-US"/>
           </a:p>
@@ -1496,7 +1512,7 @@
           <a:p>
             <a:fld id="{E9337EB8-DF82-4242-87C5-81E4BE7502BA}" type="datetimeFigureOut">
               <a:rPr lang="en-US" smtClean="0"/>
-              <a:t>3/15/15</a:t>
+              <a:t>2015-03-26</a:t>
             </a:fld>
             <a:endParaRPr lang="en-US"/>
           </a:p>
@@ -1784,7 +1800,7 @@
           <a:p>
             <a:fld id="{E9337EB8-DF82-4242-87C5-81E4BE7502BA}" type="datetimeFigureOut">
               <a:rPr lang="en-US" smtClean="0"/>
-              <a:t>3/15/15</a:t>
+              <a:t>2015-03-26</a:t>
             </a:fld>
             <a:endParaRPr lang="en-US"/>
           </a:p>
@@ -2206,7 +2222,7 @@
           <a:p>
             <a:fld id="{E9337EB8-DF82-4242-87C5-81E4BE7502BA}" type="datetimeFigureOut">
               <a:rPr lang="en-US" smtClean="0"/>
-              <a:t>3/15/15</a:t>
+              <a:t>2015-03-26</a:t>
             </a:fld>
             <a:endParaRPr lang="en-US"/>
           </a:p>
@@ -2324,7 +2340,7 @@
           <a:p>
             <a:fld id="{E9337EB8-DF82-4242-87C5-81E4BE7502BA}" type="datetimeFigureOut">
               <a:rPr lang="en-US" smtClean="0"/>
-              <a:t>3/15/15</a:t>
+              <a:t>2015-03-26</a:t>
             </a:fld>
             <a:endParaRPr lang="en-US"/>
           </a:p>
@@ -2419,7 +2435,7 @@
           <a:p>
             <a:fld id="{E9337EB8-DF82-4242-87C5-81E4BE7502BA}" type="datetimeFigureOut">
               <a:rPr lang="en-US" smtClean="0"/>
-              <a:t>3/15/15</a:t>
+              <a:t>2015-03-26</a:t>
             </a:fld>
             <a:endParaRPr lang="en-US"/>
           </a:p>
@@ -2696,7 +2712,7 @@
           <a:p>
             <a:fld id="{E9337EB8-DF82-4242-87C5-81E4BE7502BA}" type="datetimeFigureOut">
               <a:rPr lang="en-US" smtClean="0"/>
-              <a:t>3/15/15</a:t>
+              <a:t>2015-03-26</a:t>
             </a:fld>
             <a:endParaRPr lang="en-US"/>
           </a:p>
@@ -2949,7 +2965,7 @@
           <a:p>
             <a:fld id="{E9337EB8-DF82-4242-87C5-81E4BE7502BA}" type="datetimeFigureOut">
               <a:rPr lang="en-US" smtClean="0"/>
-              <a:t>3/15/15</a:t>
+              <a:t>2015-03-26</a:t>
             </a:fld>
             <a:endParaRPr lang="en-US"/>
           </a:p>
@@ -3162,7 +3178,7 @@
           <a:p>
             <a:fld id="{E9337EB8-DF82-4242-87C5-81E4BE7502BA}" type="datetimeFigureOut">
               <a:rPr lang="en-US" smtClean="0"/>
-              <a:t>3/15/15</a:t>
+              <a:t>2015-03-26</a:t>
             </a:fld>
             <a:endParaRPr lang="en-US"/>
           </a:p>
@@ -3547,6 +3563,49 @@
           <a:chExt cx="0" cy="0"/>
         </a:xfrm>
       </p:grpSpPr>
+      <p:sp>
+        <p:nvSpPr>
+          <p:cNvPr id="36" name="Rectangle 35"/>
+          <p:cNvSpPr/>
+          <p:nvPr/>
+        </p:nvSpPr>
+        <p:spPr>
+          <a:xfrm>
+            <a:off x="15174832" y="13123801"/>
+            <a:ext cx="15120000" cy="14788763"/>
+          </a:xfrm>
+          <a:prstGeom prst="rect">
+            <a:avLst/>
+          </a:prstGeom>
+          <a:solidFill>
+            <a:srgbClr val="C5C7FF">
+              <a:alpha val="11000"/>
+            </a:srgbClr>
+          </a:solidFill>
+        </p:spPr>
+        <p:style>
+          <a:lnRef idx="1">
+            <a:schemeClr val="accent1"/>
+          </a:lnRef>
+          <a:fillRef idx="3">
+            <a:schemeClr val="accent1"/>
+          </a:fillRef>
+          <a:effectRef idx="2">
+            <a:schemeClr val="accent1"/>
+          </a:effectRef>
+          <a:fontRef idx="minor">
+            <a:schemeClr val="lt1"/>
+          </a:fontRef>
+        </p:style>
+        <p:txBody>
+          <a:bodyPr rtlCol="0" anchor="ctr"/>
+          <a:lstStyle/>
+          <a:p>
+            <a:pPr algn="ctr"/>
+            <a:endParaRPr lang="en-US"/>
+          </a:p>
+        </p:txBody>
+      </p:sp>
       <p:pic>
         <p:nvPicPr>
           <p:cNvPr id="43" name="Picture 42"/>
@@ -3563,7 +3622,7 @@
         </p:blipFill>
         <p:spPr>
           <a:xfrm>
-            <a:off x="23257942" y="18317487"/>
+            <a:off x="23229444" y="18404752"/>
             <a:ext cx="6909363" cy="3564354"/>
           </a:xfrm>
           <a:prstGeom prst="rect">
@@ -3571,49 +3630,6 @@
           </a:prstGeom>
         </p:spPr>
       </p:pic>
-      <p:sp>
-        <p:nvSpPr>
-          <p:cNvPr id="36" name="Rectangle 35"/>
-          <p:cNvSpPr/>
-          <p:nvPr/>
-        </p:nvSpPr>
-        <p:spPr>
-          <a:xfrm>
-            <a:off x="15174832" y="13123801"/>
-            <a:ext cx="15120000" cy="14788763"/>
-          </a:xfrm>
-          <a:prstGeom prst="rect">
-            <a:avLst/>
-          </a:prstGeom>
-          <a:solidFill>
-            <a:srgbClr val="C5C7FF">
-              <a:alpha val="11000"/>
-            </a:srgbClr>
-          </a:solidFill>
-        </p:spPr>
-        <p:style>
-          <a:lnRef idx="1">
-            <a:schemeClr val="accent1"/>
-          </a:lnRef>
-          <a:fillRef idx="3">
-            <a:schemeClr val="accent1"/>
-          </a:fillRef>
-          <a:effectRef idx="2">
-            <a:schemeClr val="accent1"/>
-          </a:effectRef>
-          <a:fontRef idx="minor">
-            <a:schemeClr val="lt1"/>
-          </a:fontRef>
-        </p:style>
-        <p:txBody>
-          <a:bodyPr rtlCol="0" anchor="ctr"/>
-          <a:lstStyle/>
-          <a:p>
-            <a:pPr algn="ctr"/>
-            <a:endParaRPr lang="en-US"/>
-          </a:p>
-        </p:txBody>
-      </p:sp>
       <p:sp>
         <p:nvSpPr>
           <p:cNvPr id="35" name="Rectangle 34"/>
@@ -3887,7 +3903,16 @@
               <a:t>Tony Wildish [1], </a:t>
             </a:r>
             <a:r>
-              <a:rPr lang="en-US" sz="3800" b="1" kern="0" dirty="0" err="1">
+              <a:rPr lang="en-US" sz="3800" b="1" kern="0" dirty="0" smtClean="0">
+                <a:solidFill>
+                  <a:sysClr val="windowText" lastClr="000000"/>
+                </a:solidFill>
+                <a:latin typeface="Corbel"/>
+              </a:rPr>
+              <a:t>Simone </a:t>
+            </a:r>
+            <a:r>
+              <a:rPr lang="en-US" sz="3800" b="1" kern="0" dirty="0" err="1" smtClean="0">
                 <a:solidFill>
                   <a:sysClr val="windowText" lastClr="000000"/>
                 </a:solidFill>
@@ -3896,22 +3921,31 @@
               <a:t>Campana</a:t>
             </a:r>
             <a:r>
+              <a:rPr lang="en-US" sz="3800" b="1" kern="0" dirty="0" smtClean="0">
+                <a:solidFill>
+                  <a:sysClr val="windowText" lastClr="000000"/>
+                </a:solidFill>
+                <a:latin typeface="Corbel"/>
+              </a:rPr>
+              <a:t> [2</a:t>
+            </a:r>
+            <a:r>
               <a:rPr lang="en-US" sz="3800" b="1" kern="0" dirty="0">
                 <a:solidFill>
                   <a:sysClr val="windowText" lastClr="000000"/>
                 </a:solidFill>
                 <a:latin typeface="Corbel"/>
               </a:rPr>
-              <a:t> Simone [2], Garonne Vincent [2], </a:t>
-            </a:r>
-            <a:r>
-              <a:rPr lang="en-US" sz="3800" b="1" kern="0" dirty="0" err="1">
+              <a:t>], </a:t>
+            </a:r>
+            <a:r>
+              <a:rPr lang="en-US" sz="3800" b="1" kern="0" dirty="0" smtClean="0">
                 <a:solidFill>
                   <a:sysClr val="windowText" lastClr="000000"/>
                 </a:solidFill>
                 <a:latin typeface="Corbel"/>
               </a:rPr>
-              <a:t>Lassnig</a:t>
+              <a:t>Vincent Garonne [3], Mario Lassnig [2</a:t>
             </a:r>
             <a:r>
               <a:rPr lang="en-US" sz="3800" b="1" kern="0" dirty="0">
@@ -3920,7 +3954,16 @@
                 </a:solidFill>
                 <a:latin typeface="Corbel"/>
               </a:rPr>
-              <a:t> Mario [2], Di Girolamo Alessandro [2], </a:t>
+              <a:t>], </a:t>
+            </a:r>
+            <a:r>
+              <a:rPr lang="en-US" sz="3800" b="1" kern="0" dirty="0" smtClean="0">
+                <a:solidFill>
+                  <a:sysClr val="windowText" lastClr="000000"/>
+                </a:solidFill>
+                <a:latin typeface="Corbel"/>
+              </a:rPr>
+              <a:t>Alessandro Di </a:t>
             </a:r>
             <a:r>
               <a:rPr lang="en-US" sz="3800" b="1" kern="0" dirty="0" err="1" smtClean="0">
@@ -3929,7 +3972,7 @@
                 </a:solidFill>
                 <a:latin typeface="Corbel"/>
               </a:rPr>
-              <a:t>etc.etc</a:t>
+              <a:t>Girolamo</a:t>
             </a:r>
             <a:r>
               <a:rPr lang="en-US" sz="3800" b="1" kern="0" dirty="0" smtClean="0">
@@ -3938,7 +3981,7 @@
                 </a:solidFill>
                 <a:latin typeface="Corbel"/>
               </a:rPr>
-              <a:t>, </a:t>
+              <a:t> [</a:t>
             </a:r>
             <a:r>
               <a:rPr lang="en-US" sz="3800" b="1" kern="0" dirty="0">
@@ -3947,11 +3990,31 @@
                 </a:solidFill>
                 <a:latin typeface="Corbel"/>
               </a:rPr>
-              <a:t>[1]</a:t>
-            </a:r>
-          </a:p>
-          <a:p>
-            <a:pPr lvl="0" algn="ctr" defTabSz="889175"/>
+              <a:t>2</a:t>
+            </a:r>
+            <a:r>
+              <a:rPr lang="en-US" sz="3800" b="1" kern="0" dirty="0" smtClean="0">
+                <a:solidFill>
+                  <a:sysClr val="windowText" lastClr="000000"/>
+                </a:solidFill>
+                <a:latin typeface="Corbel"/>
+              </a:rPr>
+              <a:t>]</a:t>
+            </a:r>
+          </a:p>
+          <a:p>
+            <a:pPr lvl="0" algn="ctr" defTabSz="889175">
+              <a:defRPr/>
+            </a:pPr>
+            <a:r>
+              <a:rPr lang="en-US" sz="3800" b="1" kern="0" dirty="0" smtClean="0">
+                <a:solidFill>
+                  <a:sysClr val="windowText" lastClr="000000"/>
+                </a:solidFill>
+                <a:latin typeface="Corbel"/>
+              </a:rPr>
+              <a:t> </a:t>
+            </a:r>
             <a:r>
               <a:rPr kumimoji="0" lang="en-US" sz="3800" b="1" i="0" u="none" strike="noStrike" kern="0" cap="none" spc="0" normalizeH="0" baseline="0" noProof="0" dirty="0" smtClean="0">
                 <a:ln>
@@ -3965,7 +4028,52 @@
                 <a:uFillTx/>
                 <a:latin typeface="Corbel"/>
               </a:rPr>
-              <a:t>[1] Princeton University, USA [2] CERN, Switzerland</a:t>
+              <a:t>[</a:t>
+            </a:r>
+            <a:r>
+              <a:rPr kumimoji="0" lang="en-US" sz="3800" b="1" i="0" u="none" strike="noStrike" kern="0" cap="none" spc="0" normalizeH="0" baseline="0" noProof="0" dirty="0" smtClean="0">
+                <a:ln>
+                  <a:noFill/>
+                </a:ln>
+                <a:solidFill>
+                  <a:sysClr val="windowText" lastClr="000000"/>
+                </a:solidFill>
+                <a:effectLst/>
+                <a:uLnTx/>
+                <a:uFillTx/>
+                <a:latin typeface="Corbel"/>
+              </a:rPr>
+              <a:t>1] Princeton University, USA [2] CERN, </a:t>
+            </a:r>
+            <a:r>
+              <a:rPr kumimoji="0" lang="en-US" sz="3800" b="1" i="0" u="none" strike="noStrike" kern="0" cap="none" spc="0" normalizeH="0" baseline="0" noProof="0" dirty="0" smtClean="0">
+                <a:ln>
+                  <a:noFill/>
+                </a:ln>
+                <a:solidFill>
+                  <a:sysClr val="windowText" lastClr="000000"/>
+                </a:solidFill>
+                <a:effectLst/>
+                <a:uLnTx/>
+                <a:uFillTx/>
+                <a:latin typeface="Corbel"/>
+              </a:rPr>
+              <a:t>Switzerland [3] University of Oslo,</a:t>
+            </a:r>
+            <a:r>
+              <a:rPr kumimoji="0" lang="en-US" sz="3800" b="1" i="0" u="none" strike="noStrike" kern="0" cap="none" spc="0" normalizeH="0" noProof="0" dirty="0" smtClean="0">
+                <a:ln>
+                  <a:noFill/>
+                </a:ln>
+                <a:solidFill>
+                  <a:sysClr val="windowText" lastClr="000000"/>
+                </a:solidFill>
+                <a:effectLst/>
+                <a:uLnTx/>
+                <a:uFillTx/>
+                <a:latin typeface="Corbel"/>
+              </a:rPr>
+              <a:t> Norway</a:t>
             </a:r>
             <a:endParaRPr kumimoji="0" lang="en-US" sz="3800" b="1" i="0" u="none" strike="noStrike" kern="0" cap="none" spc="0" normalizeH="0" baseline="0" noProof="0" dirty="0" smtClean="0">
               <a:ln>
@@ -4075,8 +4183,8 @@
           <a:p>
             <a:pPr algn="just"/>
             <a:r>
-              <a:rPr lang="en-US" sz="4800" b="1" dirty="0" err="1" smtClean="0"/>
-              <a:t>Conlcusion</a:t>
+              <a:rPr lang="en-US" sz="4800" b="1" dirty="0" smtClean="0"/>
+              <a:t>Conclusion</a:t>
             </a:r>
             <a:endParaRPr lang="en-US" sz="4800" b="1" dirty="0" smtClean="0"/>
           </a:p>
@@ -4698,35 +4806,6 @@
       </p:sp>
       <p:sp>
         <p:nvSpPr>
-          <p:cNvPr id="40" name="Rectangle 39"/>
-          <p:cNvSpPr/>
-          <p:nvPr/>
-        </p:nvSpPr>
-        <p:spPr>
-          <a:xfrm>
-            <a:off x="25856456" y="15518312"/>
-            <a:ext cx="1955358" cy="1015663"/>
-          </a:xfrm>
-          <a:prstGeom prst="rect">
-            <a:avLst/>
-          </a:prstGeom>
-        </p:spPr>
-        <p:txBody>
-          <a:bodyPr wrap="none">
-            <a:spAutoFit/>
-          </a:bodyPr>
-          <a:lstStyle/>
-          <a:p>
-            <a:r>
-              <a:rPr lang="en-US" sz="6000" b="1" dirty="0" err="1" smtClean="0"/>
-              <a:t>Rucio</a:t>
-            </a:r>
-            <a:endParaRPr lang="en-US" sz="6000" dirty="0"/>
-          </a:p>
-        </p:txBody>
-      </p:sp>
-      <p:sp>
-        <p:nvSpPr>
           <p:cNvPr id="41" name="Rectangle 40"/>
           <p:cNvSpPr/>
           <p:nvPr/>
@@ -4793,7 +4872,7 @@
         <p:spPr>
           <a:xfrm>
             <a:off x="25461641" y="20775601"/>
-            <a:ext cx="2545889" cy="830997"/>
+            <a:ext cx="2586477" cy="830997"/>
           </a:xfrm>
           <a:prstGeom prst="rect">
             <a:avLst/>
@@ -4807,7 +4886,7 @@
           <a:p>
             <a:r>
               <a:rPr lang="en-US" sz="4800" b="1" dirty="0" smtClean="0"/>
-              <a:t>conveyor</a:t>
+              <a:t>Conveyor</a:t>
             </a:r>
             <a:endParaRPr lang="en-US" sz="6000" dirty="0"/>
           </a:p>
@@ -4851,7 +4930,11 @@
             </a:r>
             <a:r>
               <a:rPr lang="en-US" sz="4400" b="1" dirty="0" smtClean="0"/>
-              <a:t> conveyor</a:t>
+              <a:t> </a:t>
+            </a:r>
+            <a:r>
+              <a:rPr lang="en-US" sz="4400" b="1" dirty="0" smtClean="0"/>
+              <a:t>Conveyor</a:t>
             </a:r>
             <a:endParaRPr lang="en-US" sz="2400" dirty="0" smtClean="0"/>
           </a:p>
@@ -4867,7 +4950,15 @@
             </a:r>
             <a:r>
               <a:rPr lang="en-US" sz="2400" dirty="0" smtClean="0"/>
-              <a:t>. The conveyor is designed for ATLAS Run-2 nominal throughput at 2 million file transfers per day. It's purpose is manifold:</a:t>
+              <a:t>. The conveyor is designed for ATLAS Run-2 nominal throughput at </a:t>
+            </a:r>
+            <a:r>
+              <a:rPr lang="en-US" sz="2400" dirty="0" smtClean="0"/>
+              <a:t>2+ </a:t>
+            </a:r>
+            <a:r>
+              <a:rPr lang="en-US" sz="2400" dirty="0" smtClean="0"/>
+              <a:t>million file transfers per day. It's purpose is manifold:</a:t>
             </a:r>
           </a:p>
           <a:p>
@@ -5206,6 +5297,58 @@
           </a:prstGeom>
         </p:spPr>
       </p:pic>
+      <p:sp>
+        <p:nvSpPr>
+          <p:cNvPr id="46" name="TextBox 45"/>
+          <p:cNvSpPr txBox="1"/>
+          <p:nvPr/>
+        </p:nvSpPr>
+        <p:spPr>
+          <a:xfrm>
+            <a:off x="25445841" y="13968903"/>
+            <a:ext cx="4721465" cy="4462760"/>
+          </a:xfrm>
+          <a:prstGeom prst="rect">
+            <a:avLst/>
+          </a:prstGeom>
+          <a:noFill/>
+          <a:ln>
+            <a:solidFill>
+              <a:srgbClr val="FF0000"/>
+            </a:solidFill>
+          </a:ln>
+        </p:spPr>
+        <p:txBody>
+          <a:bodyPr wrap="square" rtlCol="0">
+            <a:spAutoFit/>
+          </a:bodyPr>
+          <a:lstStyle/>
+          <a:p>
+            <a:pPr algn="just"/>
+            <a:r>
+              <a:rPr lang="en-US" sz="4400" b="1" dirty="0" err="1" smtClean="0"/>
+              <a:t>Rucio</a:t>
+            </a:r>
+            <a:endParaRPr lang="en-US" sz="4400" b="1" dirty="0" smtClean="0"/>
+          </a:p>
+          <a:p>
+            <a:pPr algn="just"/>
+            <a:r>
+              <a:rPr lang="en-US" sz="2400" dirty="0" smtClean="0"/>
+              <a:t>is already the second iteration of the ATLAS Distributed Data Management system. </a:t>
+            </a:r>
+            <a:r>
+              <a:rPr lang="en-US" sz="2400" dirty="0" err="1" smtClean="0"/>
+              <a:t>Rucio</a:t>
+            </a:r>
+            <a:r>
+              <a:rPr lang="en-US" sz="2400" dirty="0" smtClean="0"/>
+              <a:t> was built to support a more dynamic way of managing data, being declarative in nature, instead of imperative. Horizontal scalability from the backend to the frontend was another major contribution, reducing operational overhead.</a:t>
+            </a:r>
+            <a:endParaRPr lang="en-US" sz="2400" dirty="0" smtClean="0"/>
+          </a:p>
+        </p:txBody>
+      </p:sp>
     </p:spTree>
     <p:extLst>
       <p:ext uri="{BB962C8B-B14F-4D97-AF65-F5344CB8AC3E}">
